--- a/materials/slides/2.10 探索式软件测试—配角测试法.pptx
+++ b/materials/slides/2.10 探索式软件测试—配角测试法.pptx
@@ -209,7 +209,7 @@
           <a:p>
             <a:fld id="{EC82124A-F363-4BD3-8BA5-C8EDB8A4673E}" type="datetimeFigureOut">
               <a:rPr lang="zh-CN" altLang="en-US" smtClean="0"/>
-              <a:t>2019/8/25</a:t>
+              <a:t>2019/9/22</a:t>
             </a:fld>
             <a:endParaRPr lang="zh-CN" altLang="en-US"/>
           </a:p>
@@ -612,7 +612,7 @@
           <a:p>
             <a:fld id="{C04CF4A6-17F9-4CD5-BCB8-44B65F331829}" type="datetimeFigureOut">
               <a:rPr lang="zh-CN" altLang="en-US" smtClean="0"/>
-              <a:t>2019/8/25</a:t>
+              <a:t>2019/9/22</a:t>
             </a:fld>
             <a:endParaRPr lang="zh-CN" altLang="en-US"/>
           </a:p>
@@ -904,7 +904,7 @@
           <a:p>
             <a:fld id="{C04CF4A6-17F9-4CD5-BCB8-44B65F331829}" type="datetimeFigureOut">
               <a:rPr lang="zh-CN" altLang="en-US" smtClean="0"/>
-              <a:t>2019/8/25</a:t>
+              <a:t>2019/9/22</a:t>
             </a:fld>
             <a:endParaRPr lang="zh-CN" altLang="en-US"/>
           </a:p>
@@ -1074,7 +1074,7 @@
           <a:p>
             <a:fld id="{C04CF4A6-17F9-4CD5-BCB8-44B65F331829}" type="datetimeFigureOut">
               <a:rPr lang="zh-CN" altLang="en-US" smtClean="0"/>
-              <a:t>2019/8/25</a:t>
+              <a:t>2019/9/22</a:t>
             </a:fld>
             <a:endParaRPr lang="zh-CN" altLang="en-US"/>
           </a:p>
@@ -1254,7 +1254,7 @@
           <a:p>
             <a:fld id="{C04CF4A6-17F9-4CD5-BCB8-44B65F331829}" type="datetimeFigureOut">
               <a:rPr lang="zh-CN" altLang="en-US" smtClean="0"/>
-              <a:t>2019/8/25</a:t>
+              <a:t>2019/9/22</a:t>
             </a:fld>
             <a:endParaRPr lang="zh-CN" altLang="en-US"/>
           </a:p>
@@ -1478,7 +1478,7 @@
           <a:p>
             <a:fld id="{C04CF4A6-17F9-4CD5-BCB8-44B65F331829}" type="datetimeFigureOut">
               <a:rPr lang="zh-CN" altLang="en-US" smtClean="0"/>
-              <a:t>2019/8/25</a:t>
+              <a:t>2019/9/22</a:t>
             </a:fld>
             <a:endParaRPr lang="zh-CN" altLang="en-US"/>
           </a:p>
@@ -1775,7 +1775,7 @@
           <a:p>
             <a:fld id="{C04CF4A6-17F9-4CD5-BCB8-44B65F331829}" type="datetimeFigureOut">
               <a:rPr lang="zh-CN" altLang="en-US" smtClean="0"/>
-              <a:t>2019/8/25</a:t>
+              <a:t>2019/9/22</a:t>
             </a:fld>
             <a:endParaRPr lang="zh-CN" altLang="en-US"/>
           </a:p>
@@ -2094,7 +2094,7 @@
           <a:p>
             <a:fld id="{C04CF4A6-17F9-4CD5-BCB8-44B65F331829}" type="datetimeFigureOut">
               <a:rPr lang="zh-CN" altLang="en-US" smtClean="0"/>
-              <a:t>2019/8/25</a:t>
+              <a:t>2019/9/22</a:t>
             </a:fld>
             <a:endParaRPr lang="zh-CN" altLang="en-US"/>
           </a:p>
@@ -2326,7 +2326,7 @@
           <a:p>
             <a:fld id="{C04CF4A6-17F9-4CD5-BCB8-44B65F331829}" type="datetimeFigureOut">
               <a:rPr lang="zh-CN" altLang="en-US" smtClean="0"/>
-              <a:t>2019/8/25</a:t>
+              <a:t>2019/9/22</a:t>
             </a:fld>
             <a:endParaRPr lang="zh-CN" altLang="en-US"/>
           </a:p>
@@ -2693,7 +2693,7 @@
           <a:p>
             <a:fld id="{C04CF4A6-17F9-4CD5-BCB8-44B65F331829}" type="datetimeFigureOut">
               <a:rPr lang="zh-CN" altLang="en-US" smtClean="0"/>
-              <a:t>2019/8/25</a:t>
+              <a:t>2019/9/22</a:t>
             </a:fld>
             <a:endParaRPr lang="zh-CN" altLang="en-US"/>
           </a:p>
@@ -2811,7 +2811,7 @@
           <a:p>
             <a:fld id="{C04CF4A6-17F9-4CD5-BCB8-44B65F331829}" type="datetimeFigureOut">
               <a:rPr lang="zh-CN" altLang="en-US" smtClean="0"/>
-              <a:t>2019/8/25</a:t>
+              <a:t>2019/9/22</a:t>
             </a:fld>
             <a:endParaRPr lang="zh-CN" altLang="en-US"/>
           </a:p>
@@ -2906,7 +2906,7 @@
           <a:p>
             <a:fld id="{C04CF4A6-17F9-4CD5-BCB8-44B65F331829}" type="datetimeFigureOut">
               <a:rPr lang="zh-CN" altLang="en-US" smtClean="0"/>
-              <a:t>2019/8/25</a:t>
+              <a:t>2019/9/22</a:t>
             </a:fld>
             <a:endParaRPr lang="zh-CN" altLang="en-US"/>
           </a:p>
@@ -3183,7 +3183,7 @@
           <a:p>
             <a:fld id="{C04CF4A6-17F9-4CD5-BCB8-44B65F331829}" type="datetimeFigureOut">
               <a:rPr lang="zh-CN" altLang="en-US" smtClean="0"/>
-              <a:t>2019/8/25</a:t>
+              <a:t>2019/9/22</a:t>
             </a:fld>
             <a:endParaRPr lang="zh-CN" altLang="en-US"/>
           </a:p>
@@ -3396,7 +3396,7 @@
           <a:p>
             <a:fld id="{C04CF4A6-17F9-4CD5-BCB8-44B65F331829}" type="datetimeFigureOut">
               <a:rPr lang="zh-CN" altLang="en-US" smtClean="0"/>
-              <a:t>2019/8/25</a:t>
+              <a:t>2019/9/22</a:t>
             </a:fld>
             <a:endParaRPr lang="zh-CN" altLang="en-US"/>
           </a:p>
@@ -4722,7 +4722,15 @@
             </a:r>
             <a:r>
               <a:rPr lang="zh-CN" altLang="en-US" dirty="0" smtClean="0"/>
-              <a:t>在测试地址栏中搜索的功能时，发现点击搜索栏后，再点击地址栏中收藏五角星，弹出的气泡位置错乱</a:t>
+              <a:t>在测试地址栏</a:t>
+            </a:r>
+            <a:r>
+              <a:rPr lang="zh-CN" altLang="en-US" dirty="0" smtClean="0"/>
+              <a:t>中使用搜索功能</a:t>
+            </a:r>
+            <a:r>
+              <a:rPr lang="zh-CN" altLang="en-US" dirty="0" smtClean="0"/>
+              <a:t>时，发现点击搜索栏后，再点击地址栏中收藏五角星，弹出的气泡位置错乱</a:t>
             </a:r>
             <a:endParaRPr lang="zh-CN" altLang="en-US" dirty="0"/>
           </a:p>
